--- a/Presentations/Grab Bag 2.pptx
+++ b/Presentations/Grab Bag 2.pptx
@@ -115,6 +115,10 @@
 </p:presentation>
 </file>
 
+<file path=ppt/revisionInfo.xml><?xml version="1.0" encoding="utf-8"?>
+<p1510:revInfo xmlns:a="http://schemas.openxmlformats.org/drawingml/2006/main" xmlns:r="http://schemas.openxmlformats.org/officeDocument/2006/relationships" xmlns:p1510="http://schemas.microsoft.com/office/powerpoint/2015/10/main"/>
+</file>
+
 <file path=ppt/slideLayouts/slideLayout1.xml><?xml version="1.0" encoding="utf-8"?>
 <p:sldLayout xmlns:a="http://schemas.openxmlformats.org/drawingml/2006/main" xmlns:r="http://schemas.openxmlformats.org/officeDocument/2006/relationships" xmlns:p="http://schemas.openxmlformats.org/presentationml/2006/main" type="title" preserve="1">
   <p:cSld name="Title Slide">
@@ -246,7 +250,7 @@
           <a:p>
             <a:fld id="{501EC885-730B-4FBA-BDA8-2C37FA56FFE4}" type="datetimeFigureOut">
               <a:rPr lang="en-US" smtClean="0"/>
-              <a:t>11/15/2017</a:t>
+              <a:t>11/27/2017</a:t>
             </a:fld>
             <a:endParaRPr lang="en-US"/>
           </a:p>
@@ -416,7 +420,7 @@
           <a:p>
             <a:fld id="{501EC885-730B-4FBA-BDA8-2C37FA56FFE4}" type="datetimeFigureOut">
               <a:rPr lang="en-US" smtClean="0"/>
-              <a:t>11/15/2017</a:t>
+              <a:t>11/27/2017</a:t>
             </a:fld>
             <a:endParaRPr lang="en-US"/>
           </a:p>
@@ -596,7 +600,7 @@
           <a:p>
             <a:fld id="{501EC885-730B-4FBA-BDA8-2C37FA56FFE4}" type="datetimeFigureOut">
               <a:rPr lang="en-US" smtClean="0"/>
-              <a:t>11/15/2017</a:t>
+              <a:t>11/27/2017</a:t>
             </a:fld>
             <a:endParaRPr lang="en-US"/>
           </a:p>
@@ -766,7 +770,7 @@
           <a:p>
             <a:fld id="{501EC885-730B-4FBA-BDA8-2C37FA56FFE4}" type="datetimeFigureOut">
               <a:rPr lang="en-US" smtClean="0"/>
-              <a:t>11/15/2017</a:t>
+              <a:t>11/27/2017</a:t>
             </a:fld>
             <a:endParaRPr lang="en-US"/>
           </a:p>
@@ -1012,7 +1016,7 @@
           <a:p>
             <a:fld id="{501EC885-730B-4FBA-BDA8-2C37FA56FFE4}" type="datetimeFigureOut">
               <a:rPr lang="en-US" smtClean="0"/>
-              <a:t>11/15/2017</a:t>
+              <a:t>11/27/2017</a:t>
             </a:fld>
             <a:endParaRPr lang="en-US"/>
           </a:p>
@@ -1244,7 +1248,7 @@
           <a:p>
             <a:fld id="{501EC885-730B-4FBA-BDA8-2C37FA56FFE4}" type="datetimeFigureOut">
               <a:rPr lang="en-US" smtClean="0"/>
-              <a:t>11/15/2017</a:t>
+              <a:t>11/27/2017</a:t>
             </a:fld>
             <a:endParaRPr lang="en-US"/>
           </a:p>
@@ -1611,7 +1615,7 @@
           <a:p>
             <a:fld id="{501EC885-730B-4FBA-BDA8-2C37FA56FFE4}" type="datetimeFigureOut">
               <a:rPr lang="en-US" smtClean="0"/>
-              <a:t>11/15/2017</a:t>
+              <a:t>11/27/2017</a:t>
             </a:fld>
             <a:endParaRPr lang="en-US"/>
           </a:p>
@@ -1729,7 +1733,7 @@
           <a:p>
             <a:fld id="{501EC885-730B-4FBA-BDA8-2C37FA56FFE4}" type="datetimeFigureOut">
               <a:rPr lang="en-US" smtClean="0"/>
-              <a:t>11/15/2017</a:t>
+              <a:t>11/27/2017</a:t>
             </a:fld>
             <a:endParaRPr lang="en-US"/>
           </a:p>
@@ -1824,7 +1828,7 @@
           <a:p>
             <a:fld id="{501EC885-730B-4FBA-BDA8-2C37FA56FFE4}" type="datetimeFigureOut">
               <a:rPr lang="en-US" smtClean="0"/>
-              <a:t>11/15/2017</a:t>
+              <a:t>11/27/2017</a:t>
             </a:fld>
             <a:endParaRPr lang="en-US"/>
           </a:p>
@@ -2101,7 +2105,7 @@
           <a:p>
             <a:fld id="{501EC885-730B-4FBA-BDA8-2C37FA56FFE4}" type="datetimeFigureOut">
               <a:rPr lang="en-US" smtClean="0"/>
-              <a:t>11/15/2017</a:t>
+              <a:t>11/27/2017</a:t>
             </a:fld>
             <a:endParaRPr lang="en-US"/>
           </a:p>
@@ -2358,7 +2362,7 @@
           <a:p>
             <a:fld id="{501EC885-730B-4FBA-BDA8-2C37FA56FFE4}" type="datetimeFigureOut">
               <a:rPr lang="en-US" smtClean="0"/>
-              <a:t>11/15/2017</a:t>
+              <a:t>11/27/2017</a:t>
             </a:fld>
             <a:endParaRPr lang="en-US"/>
           </a:p>
@@ -2571,7 +2575,7 @@
           <a:p>
             <a:fld id="{501EC885-730B-4FBA-BDA8-2C37FA56FFE4}" type="datetimeFigureOut">
               <a:rPr lang="en-US" smtClean="0"/>
-              <a:t>11/15/2017</a:t>
+              <a:t>11/27/2017</a:t>
             </a:fld>
             <a:endParaRPr lang="en-US"/>
           </a:p>
@@ -3032,19 +3036,19 @@
           <a:p>
             <a:r>
               <a:rPr lang="en-US"/>
-              <a:t>Accessibility</a:t>
-            </a:r>
-          </a:p>
-          <a:p>
-            <a:r>
-              <a:rPr lang="en-US"/>
-              <a:t>Attraction Physics</a:t>
-            </a:r>
-          </a:p>
-          <a:p>
-            <a:r>
-              <a:rPr lang="en-US"/>
-              <a:t>Networking</a:t>
+              <a:t>2D Arrays</a:t>
+            </a:r>
+          </a:p>
+          <a:p>
+            <a:r>
+              <a:rPr lang="en-US"/>
+              <a:t>Prompt (input)</a:t>
+            </a:r>
+          </a:p>
+          <a:p>
+            <a:r>
+              <a:rPr lang="en-US"/>
+              <a:t>Strings</a:t>
             </a:r>
           </a:p>
         </p:txBody>
